--- a/consortium/third_meeting/GTFS-ride_Meeting3_Presentation_v1_01292019.pptx
+++ b/consortium/third_meeting/GTFS-ride_Meeting3_Presentation_v1_01292019.pptx
@@ -154,318 +154,6 @@
 </p1510:revInfo>
 </file>
 
-<file path=ppt/changesInfos/changesInfo1.xml><?xml version="1.0" encoding="utf-8"?>
-<pc:chgInfo xmlns:a="http://schemas.openxmlformats.org/drawingml/2006/main" xmlns:r="http://schemas.openxmlformats.org/officeDocument/2006/relationships" xmlns:ac="http://schemas.microsoft.com/office/drawing/2013/main/command" xmlns:pc="http://schemas.microsoft.com/office/powerpoint/2013/main/command">
-  <pc:docChgLst>
-    <pc:chgData name="Phillip Carleton" userId="57e3dcb2-e0dd-4d9c-bb7b-c29e46a84643" providerId="ADAL" clId="{536E60E8-C45A-4900-AE3E-1C36520DB31B}"/>
-    <pc:docChg chg="undo redo custSel addSld delSld modSld sldOrd">
-      <pc:chgData name="Phillip Carleton" userId="57e3dcb2-e0dd-4d9c-bb7b-c29e46a84643" providerId="ADAL" clId="{536E60E8-C45A-4900-AE3E-1C36520DB31B}" dt="2019-01-29T23:06:42.348" v="2779"/>
-      <pc:docMkLst>
-        <pc:docMk/>
-      </pc:docMkLst>
-      <pc:sldChg chg="add">
-        <pc:chgData name="Phillip Carleton" userId="57e3dcb2-e0dd-4d9c-bb7b-c29e46a84643" providerId="ADAL" clId="{536E60E8-C45A-4900-AE3E-1C36520DB31B}" dt="2019-01-29T23:06:42.348" v="2779"/>
-        <pc:sldMkLst>
-          <pc:docMk/>
-          <pc:sldMk cId="164609403" sldId="273"/>
-        </pc:sldMkLst>
-      </pc:sldChg>
-      <pc:sldChg chg="modSp add addCm modCm">
-        <pc:chgData name="Phillip Carleton" userId="57e3dcb2-e0dd-4d9c-bb7b-c29e46a84643" providerId="ADAL" clId="{536E60E8-C45A-4900-AE3E-1C36520DB31B}" dt="2019-01-29T21:59:09.582" v="149" actId="20578"/>
-        <pc:sldMkLst>
-          <pc:docMk/>
-          <pc:sldMk cId="3868082007" sldId="296"/>
-        </pc:sldMkLst>
-        <pc:spChg chg="mod">
-          <ac:chgData name="Phillip Carleton" userId="57e3dcb2-e0dd-4d9c-bb7b-c29e46a84643" providerId="ADAL" clId="{536E60E8-C45A-4900-AE3E-1C36520DB31B}" dt="2019-01-29T21:59:09.582" v="149" actId="20578"/>
-          <ac:spMkLst>
-            <pc:docMk/>
-            <pc:sldMk cId="3868082007" sldId="296"/>
-            <ac:spMk id="3" creationId="{8F740F63-8F74-4434-B5B0-61FB75FA6B47}"/>
-          </ac:spMkLst>
-        </pc:spChg>
-      </pc:sldChg>
-      <pc:sldChg chg="add">
-        <pc:chgData name="Phillip Carleton" userId="57e3dcb2-e0dd-4d9c-bb7b-c29e46a84643" providerId="ADAL" clId="{536E60E8-C45A-4900-AE3E-1C36520DB31B}" dt="2019-01-29T21:27:37.736" v="63"/>
-        <pc:sldMkLst>
-          <pc:docMk/>
-          <pc:sldMk cId="4041082235" sldId="297"/>
-        </pc:sldMkLst>
-      </pc:sldChg>
-      <pc:sldChg chg="add">
-        <pc:chgData name="Phillip Carleton" userId="57e3dcb2-e0dd-4d9c-bb7b-c29e46a84643" providerId="ADAL" clId="{536E60E8-C45A-4900-AE3E-1C36520DB31B}" dt="2019-01-29T22:01:02.636" v="161"/>
-        <pc:sldMkLst>
-          <pc:docMk/>
-          <pc:sldMk cId="2262567781" sldId="299"/>
-        </pc:sldMkLst>
-      </pc:sldChg>
-      <pc:sldChg chg="add del">
-        <pc:chgData name="Phillip Carleton" userId="57e3dcb2-e0dd-4d9c-bb7b-c29e46a84643" providerId="ADAL" clId="{536E60E8-C45A-4900-AE3E-1C36520DB31B}" dt="2019-01-29T23:06:20.843" v="2778" actId="2696"/>
-        <pc:sldMkLst>
-          <pc:docMk/>
-          <pc:sldMk cId="114586076" sldId="301"/>
-        </pc:sldMkLst>
-      </pc:sldChg>
-      <pc:sldChg chg="add">
-        <pc:chgData name="Phillip Carleton" userId="57e3dcb2-e0dd-4d9c-bb7b-c29e46a84643" providerId="ADAL" clId="{536E60E8-C45A-4900-AE3E-1C36520DB31B}" dt="2019-01-29T21:27:37.736" v="63"/>
-        <pc:sldMkLst>
-          <pc:docMk/>
-          <pc:sldMk cId="4251351265" sldId="303"/>
-        </pc:sldMkLst>
-      </pc:sldChg>
-      <pc:sldChg chg="modSp add addCm modCm modNotesTx">
-        <pc:chgData name="Phillip Carleton" userId="57e3dcb2-e0dd-4d9c-bb7b-c29e46a84643" providerId="ADAL" clId="{536E60E8-C45A-4900-AE3E-1C36520DB31B}" dt="2019-01-29T22:08:08.422" v="566" actId="313"/>
-        <pc:sldMkLst>
-          <pc:docMk/>
-          <pc:sldMk cId="3774829302" sldId="304"/>
-        </pc:sldMkLst>
-        <pc:spChg chg="mod">
-          <ac:chgData name="Phillip Carleton" userId="57e3dcb2-e0dd-4d9c-bb7b-c29e46a84643" providerId="ADAL" clId="{536E60E8-C45A-4900-AE3E-1C36520DB31B}" dt="2019-01-29T21:59:53.802" v="156" actId="20577"/>
-          <ac:spMkLst>
-            <pc:docMk/>
-            <pc:sldMk cId="3774829302" sldId="304"/>
-            <ac:spMk id="2" creationId="{597563C1-9B85-4853-8135-877247BF47B9}"/>
-          </ac:spMkLst>
-        </pc:spChg>
-        <pc:spChg chg="mod">
-          <ac:chgData name="Phillip Carleton" userId="57e3dcb2-e0dd-4d9c-bb7b-c29e46a84643" providerId="ADAL" clId="{536E60E8-C45A-4900-AE3E-1C36520DB31B}" dt="2019-01-29T22:00:03.952" v="158" actId="5793"/>
-          <ac:spMkLst>
-            <pc:docMk/>
-            <pc:sldMk cId="3774829302" sldId="304"/>
-            <ac:spMk id="3" creationId="{DA360470-874E-487E-9644-C1001116F7DC}"/>
-          </ac:spMkLst>
-        </pc:spChg>
-      </pc:sldChg>
-      <pc:sldChg chg="add ord">
-        <pc:chgData name="Phillip Carleton" userId="57e3dcb2-e0dd-4d9c-bb7b-c29e46a84643" providerId="ADAL" clId="{536E60E8-C45A-4900-AE3E-1C36520DB31B}" dt="2019-01-29T21:58:47.695" v="146"/>
-        <pc:sldMkLst>
-          <pc:docMk/>
-          <pc:sldMk cId="2751056307" sldId="305"/>
-        </pc:sldMkLst>
-      </pc:sldChg>
-      <pc:sldChg chg="modSp add ord">
-        <pc:chgData name="Phillip Carleton" userId="57e3dcb2-e0dd-4d9c-bb7b-c29e46a84643" providerId="ADAL" clId="{536E60E8-C45A-4900-AE3E-1C36520DB31B}" dt="2019-01-29T21:58:58.272" v="147"/>
-        <pc:sldMkLst>
-          <pc:docMk/>
-          <pc:sldMk cId="3055609655" sldId="306"/>
-        </pc:sldMkLst>
-        <pc:spChg chg="mod">
-          <ac:chgData name="Phillip Carleton" userId="57e3dcb2-e0dd-4d9c-bb7b-c29e46a84643" providerId="ADAL" clId="{536E60E8-C45A-4900-AE3E-1C36520DB31B}" dt="2019-01-29T21:57:31.610" v="144" actId="5793"/>
-          <ac:spMkLst>
-            <pc:docMk/>
-            <pc:sldMk cId="3055609655" sldId="306"/>
-            <ac:spMk id="3" creationId="{C9864721-3AD9-4A0C-B38C-161AEE59D3E8}"/>
-          </ac:spMkLst>
-        </pc:spChg>
-      </pc:sldChg>
-      <pc:sldChg chg="add ord">
-        <pc:chgData name="Phillip Carleton" userId="57e3dcb2-e0dd-4d9c-bb7b-c29e46a84643" providerId="ADAL" clId="{536E60E8-C45A-4900-AE3E-1C36520DB31B}" dt="2019-01-29T21:57:57.303" v="145"/>
-        <pc:sldMkLst>
-          <pc:docMk/>
-          <pc:sldMk cId="1064065639" sldId="320"/>
-        </pc:sldMkLst>
-      </pc:sldChg>
-      <pc:sldChg chg="modSp add">
-        <pc:chgData name="Phillip Carleton" userId="57e3dcb2-e0dd-4d9c-bb7b-c29e46a84643" providerId="ADAL" clId="{536E60E8-C45A-4900-AE3E-1C36520DB31B}" dt="2019-01-29T22:41:21.730" v="1150" actId="20577"/>
-        <pc:sldMkLst>
-          <pc:docMk/>
-          <pc:sldMk cId="3419974417" sldId="321"/>
-        </pc:sldMkLst>
-        <pc:spChg chg="mod">
-          <ac:chgData name="Phillip Carleton" userId="57e3dcb2-e0dd-4d9c-bb7b-c29e46a84643" providerId="ADAL" clId="{536E60E8-C45A-4900-AE3E-1C36520DB31B}" dt="2019-01-29T22:41:21.730" v="1150" actId="20577"/>
-          <ac:spMkLst>
-            <pc:docMk/>
-            <pc:sldMk cId="3419974417" sldId="321"/>
-            <ac:spMk id="3" creationId="{A7F5F64B-3D33-4C1C-A552-C06FBCBC5E8B}"/>
-          </ac:spMkLst>
-        </pc:spChg>
-      </pc:sldChg>
-      <pc:sldChg chg="modSp add del">
-        <pc:chgData name="Phillip Carleton" userId="57e3dcb2-e0dd-4d9c-bb7b-c29e46a84643" providerId="ADAL" clId="{536E60E8-C45A-4900-AE3E-1C36520DB31B}" dt="2019-01-29T22:35:35.741" v="1036" actId="27636"/>
-        <pc:sldMkLst>
-          <pc:docMk/>
-          <pc:sldMk cId="751638421" sldId="325"/>
-        </pc:sldMkLst>
-        <pc:spChg chg="mod">
-          <ac:chgData name="Phillip Carleton" userId="57e3dcb2-e0dd-4d9c-bb7b-c29e46a84643" providerId="ADAL" clId="{536E60E8-C45A-4900-AE3E-1C36520DB31B}" dt="2019-01-29T22:30:30.425" v="1032" actId="1076"/>
-          <ac:spMkLst>
-            <pc:docMk/>
-            <pc:sldMk cId="751638421" sldId="325"/>
-            <ac:spMk id="2" creationId="{5F92FD69-795E-454B-B3BE-4E6B57E7FE55}"/>
-          </ac:spMkLst>
-        </pc:spChg>
-        <pc:spChg chg="mod">
-          <ac:chgData name="Phillip Carleton" userId="57e3dcb2-e0dd-4d9c-bb7b-c29e46a84643" providerId="ADAL" clId="{536E60E8-C45A-4900-AE3E-1C36520DB31B}" dt="2019-01-29T22:35:35.741" v="1036" actId="27636"/>
-          <ac:spMkLst>
-            <pc:docMk/>
-            <pc:sldMk cId="751638421" sldId="325"/>
-            <ac:spMk id="3" creationId="{EB11226F-23C3-477C-B01F-3D043B25AB36}"/>
-          </ac:spMkLst>
-        </pc:spChg>
-      </pc:sldChg>
-      <pc:sldChg chg="add ord">
-        <pc:chgData name="Phillip Carleton" userId="57e3dcb2-e0dd-4d9c-bb7b-c29e46a84643" providerId="ADAL" clId="{536E60E8-C45A-4900-AE3E-1C36520DB31B}" dt="2019-01-29T21:59:00.031" v="148"/>
-        <pc:sldMkLst>
-          <pc:docMk/>
-          <pc:sldMk cId="3704998892" sldId="329"/>
-        </pc:sldMkLst>
-      </pc:sldChg>
-      <pc:sldChg chg="modSp add">
-        <pc:chgData name="Phillip Carleton" userId="57e3dcb2-e0dd-4d9c-bb7b-c29e46a84643" providerId="ADAL" clId="{536E60E8-C45A-4900-AE3E-1C36520DB31B}" dt="2019-01-29T22:09:01.180" v="584" actId="20577"/>
-        <pc:sldMkLst>
-          <pc:docMk/>
-          <pc:sldMk cId="4156667373" sldId="330"/>
-        </pc:sldMkLst>
-        <pc:spChg chg="mod">
-          <ac:chgData name="Phillip Carleton" userId="57e3dcb2-e0dd-4d9c-bb7b-c29e46a84643" providerId="ADAL" clId="{536E60E8-C45A-4900-AE3E-1C36520DB31B}" dt="2019-01-29T22:09:01.180" v="584" actId="20577"/>
-          <ac:spMkLst>
-            <pc:docMk/>
-            <pc:sldMk cId="4156667373" sldId="330"/>
-            <ac:spMk id="2" creationId="{3C467623-5086-43ED-A500-08A084D5FC35}"/>
-          </ac:spMkLst>
-        </pc:spChg>
-        <pc:spChg chg="mod">
-          <ac:chgData name="Phillip Carleton" userId="57e3dcb2-e0dd-4d9c-bb7b-c29e46a84643" providerId="ADAL" clId="{536E60E8-C45A-4900-AE3E-1C36520DB31B}" dt="2019-01-29T22:08:41.743" v="576" actId="20577"/>
-          <ac:spMkLst>
-            <pc:docMk/>
-            <pc:sldMk cId="4156667373" sldId="330"/>
-            <ac:spMk id="3" creationId="{55C4AD0A-D54B-447C-81EB-4D0994BE986F}"/>
-          </ac:spMkLst>
-        </pc:spChg>
-      </pc:sldChg>
-      <pc:sldChg chg="add del">
-        <pc:chgData name="Phillip Carleton" userId="57e3dcb2-e0dd-4d9c-bb7b-c29e46a84643" providerId="ADAL" clId="{536E60E8-C45A-4900-AE3E-1C36520DB31B}" dt="2019-01-29T22:11:08.160" v="590" actId="2696"/>
-        <pc:sldMkLst>
-          <pc:docMk/>
-          <pc:sldMk cId="2115428034" sldId="331"/>
-        </pc:sldMkLst>
-      </pc:sldChg>
-      <pc:sldChg chg="modSp add">
-        <pc:chgData name="Phillip Carleton" userId="57e3dcb2-e0dd-4d9c-bb7b-c29e46a84643" providerId="ADAL" clId="{536E60E8-C45A-4900-AE3E-1C36520DB31B}" dt="2019-01-29T22:40:32.971" v="1117" actId="255"/>
-        <pc:sldMkLst>
-          <pc:docMk/>
-          <pc:sldMk cId="2438655707" sldId="331"/>
-        </pc:sldMkLst>
-        <pc:spChg chg="mod">
-          <ac:chgData name="Phillip Carleton" userId="57e3dcb2-e0dd-4d9c-bb7b-c29e46a84643" providerId="ADAL" clId="{536E60E8-C45A-4900-AE3E-1C36520DB31B}" dt="2019-01-29T22:36:17.544" v="1066" actId="20577"/>
-          <ac:spMkLst>
-            <pc:docMk/>
-            <pc:sldMk cId="2438655707" sldId="331"/>
-            <ac:spMk id="2" creationId="{11443753-77EE-4CDE-A187-79B07A5ED2F8}"/>
-          </ac:spMkLst>
-        </pc:spChg>
-        <pc:spChg chg="mod">
-          <ac:chgData name="Phillip Carleton" userId="57e3dcb2-e0dd-4d9c-bb7b-c29e46a84643" providerId="ADAL" clId="{536E60E8-C45A-4900-AE3E-1C36520DB31B}" dt="2019-01-29T22:40:32.971" v="1117" actId="255"/>
-          <ac:spMkLst>
-            <pc:docMk/>
-            <pc:sldMk cId="2438655707" sldId="331"/>
-            <ac:spMk id="3" creationId="{E41D592F-5DAA-4625-AAFD-460FD3D79E63}"/>
-          </ac:spMkLst>
-        </pc:spChg>
-      </pc:sldChg>
-      <pc:sldChg chg="modSp add">
-        <pc:chgData name="Phillip Carleton" userId="57e3dcb2-e0dd-4d9c-bb7b-c29e46a84643" providerId="ADAL" clId="{536E60E8-C45A-4900-AE3E-1C36520DB31B}" dt="2019-01-29T22:30:09.110" v="1030" actId="1076"/>
-        <pc:sldMkLst>
-          <pc:docMk/>
-          <pc:sldMk cId="4043041211" sldId="334"/>
-        </pc:sldMkLst>
-        <pc:spChg chg="mod">
-          <ac:chgData name="Phillip Carleton" userId="57e3dcb2-e0dd-4d9c-bb7b-c29e46a84643" providerId="ADAL" clId="{536E60E8-C45A-4900-AE3E-1C36520DB31B}" dt="2019-01-29T22:30:09.110" v="1030" actId="1076"/>
-          <ac:spMkLst>
-            <pc:docMk/>
-            <pc:sldMk cId="4043041211" sldId="334"/>
-            <ac:spMk id="2" creationId="{FF70C0B2-A763-482B-83D3-902A886DE1A1}"/>
-          </ac:spMkLst>
-        </pc:spChg>
-        <pc:spChg chg="mod">
-          <ac:chgData name="Phillip Carleton" userId="57e3dcb2-e0dd-4d9c-bb7b-c29e46a84643" providerId="ADAL" clId="{536E60E8-C45A-4900-AE3E-1C36520DB31B}" dt="2019-01-29T22:29:49.791" v="1029" actId="404"/>
-          <ac:spMkLst>
-            <pc:docMk/>
-            <pc:sldMk cId="4043041211" sldId="334"/>
-            <ac:spMk id="3" creationId="{C2B46CEB-E606-4851-82EA-8C1BEA5F3BC1}"/>
-          </ac:spMkLst>
-        </pc:spChg>
-      </pc:sldChg>
-      <pc:sldChg chg="modSp add ord">
-        <pc:chgData name="Phillip Carleton" userId="57e3dcb2-e0dd-4d9c-bb7b-c29e46a84643" providerId="ADAL" clId="{536E60E8-C45A-4900-AE3E-1C36520DB31B}" dt="2019-01-29T23:05:54.993" v="2777" actId="20577"/>
-        <pc:sldMkLst>
-          <pc:docMk/>
-          <pc:sldMk cId="3346590745" sldId="335"/>
-        </pc:sldMkLst>
-        <pc:spChg chg="mod">
-          <ac:chgData name="Phillip Carleton" userId="57e3dcb2-e0dd-4d9c-bb7b-c29e46a84643" providerId="ADAL" clId="{536E60E8-C45A-4900-AE3E-1C36520DB31B}" dt="2019-01-29T22:54:23.692" v="2065" actId="20577"/>
-          <ac:spMkLst>
-            <pc:docMk/>
-            <pc:sldMk cId="3346590745" sldId="335"/>
-            <ac:spMk id="2" creationId="{2F3E2768-8AC3-4C13-B8BD-4FA2B0B0B8A1}"/>
-          </ac:spMkLst>
-        </pc:spChg>
-        <pc:spChg chg="mod">
-          <ac:chgData name="Phillip Carleton" userId="57e3dcb2-e0dd-4d9c-bb7b-c29e46a84643" providerId="ADAL" clId="{536E60E8-C45A-4900-AE3E-1C36520DB31B}" dt="2019-01-29T23:05:54.993" v="2777" actId="20577"/>
-          <ac:spMkLst>
-            <pc:docMk/>
-            <pc:sldMk cId="3346590745" sldId="335"/>
-            <ac:spMk id="3" creationId="{30B0E681-88D8-4418-8F66-8594A6EDDF69}"/>
-          </ac:spMkLst>
-        </pc:spChg>
-      </pc:sldChg>
-      <pc:sldChg chg="add del">
-        <pc:chgData name="Phillip Carleton" userId="57e3dcb2-e0dd-4d9c-bb7b-c29e46a84643" providerId="ADAL" clId="{536E60E8-C45A-4900-AE3E-1C36520DB31B}" dt="2019-01-29T22:41:59.235" v="1155"/>
-        <pc:sldMkLst>
-          <pc:docMk/>
-          <pc:sldMk cId="471660284" sldId="336"/>
-        </pc:sldMkLst>
-      </pc:sldChg>
-      <pc:sldChg chg="modSp add">
-        <pc:chgData name="Phillip Carleton" userId="57e3dcb2-e0dd-4d9c-bb7b-c29e46a84643" providerId="ADAL" clId="{536E60E8-C45A-4900-AE3E-1C36520DB31B}" dt="2019-01-29T22:42:26.107" v="1182" actId="20577"/>
-        <pc:sldMkLst>
-          <pc:docMk/>
-          <pc:sldMk cId="2013292319" sldId="336"/>
-        </pc:sldMkLst>
-        <pc:spChg chg="mod">
-          <ac:chgData name="Phillip Carleton" userId="57e3dcb2-e0dd-4d9c-bb7b-c29e46a84643" providerId="ADAL" clId="{536E60E8-C45A-4900-AE3E-1C36520DB31B}" dt="2019-01-29T22:42:26.107" v="1182" actId="20577"/>
-          <ac:spMkLst>
-            <pc:docMk/>
-            <pc:sldMk cId="2013292319" sldId="336"/>
-            <ac:spMk id="6" creationId="{FEFAD212-93B8-493C-AA65-729071E322B8}"/>
-          </ac:spMkLst>
-        </pc:spChg>
-      </pc:sldChg>
-      <pc:sldChg chg="modSp add">
-        <pc:chgData name="Phillip Carleton" userId="57e3dcb2-e0dd-4d9c-bb7b-c29e46a84643" providerId="ADAL" clId="{536E60E8-C45A-4900-AE3E-1C36520DB31B}" dt="2019-01-29T23:04:27.005" v="2753" actId="20577"/>
-        <pc:sldMkLst>
-          <pc:docMk/>
-          <pc:sldMk cId="281835282" sldId="337"/>
-        </pc:sldMkLst>
-        <pc:spChg chg="mod">
-          <ac:chgData name="Phillip Carleton" userId="57e3dcb2-e0dd-4d9c-bb7b-c29e46a84643" providerId="ADAL" clId="{536E60E8-C45A-4900-AE3E-1C36520DB31B}" dt="2019-01-29T22:54:41.658" v="2097" actId="20577"/>
-          <ac:spMkLst>
-            <pc:docMk/>
-            <pc:sldMk cId="281835282" sldId="337"/>
-            <ac:spMk id="2" creationId="{26E1D935-AC3F-4CF4-B54B-455F13D3834A}"/>
-          </ac:spMkLst>
-        </pc:spChg>
-        <pc:spChg chg="mod">
-          <ac:chgData name="Phillip Carleton" userId="57e3dcb2-e0dd-4d9c-bb7b-c29e46a84643" providerId="ADAL" clId="{536E60E8-C45A-4900-AE3E-1C36520DB31B}" dt="2019-01-29T23:04:27.005" v="2753" actId="20577"/>
-          <ac:spMkLst>
-            <pc:docMk/>
-            <pc:sldMk cId="281835282" sldId="337"/>
-            <ac:spMk id="3" creationId="{BB6F4E91-FFB8-4BD6-881E-D3249CF74688}"/>
-          </ac:spMkLst>
-        </pc:spChg>
-      </pc:sldChg>
-      <pc:sldChg chg="add del">
-        <pc:chgData name="Phillip Carleton" userId="57e3dcb2-e0dd-4d9c-bb7b-c29e46a84643" providerId="ADAL" clId="{536E60E8-C45A-4900-AE3E-1C36520DB31B}" dt="2019-01-29T22:41:58.952" v="1154"/>
-        <pc:sldMkLst>
-          <pc:docMk/>
-          <pc:sldMk cId="2057346335" sldId="337"/>
-        </pc:sldMkLst>
-      </pc:sldChg>
-    </pc:docChg>
-  </pc:docChgLst>
-</pc:chgInfo>
-</file>
-
 <file path=ppt/comments/comment1.xml><?xml version="1.0" encoding="utf-8"?>
 <p:cmLst xmlns:a="http://schemas.openxmlformats.org/drawingml/2006/main" xmlns:r="http://schemas.openxmlformats.org/officeDocument/2006/relationships" xmlns:p="http://schemas.openxmlformats.org/presentationml/2006/main">
   <p:cm authorId="1" dt="2019-01-29T13:23:51.868" idx="1">
@@ -562,7 +250,7 @@
           <a:p>
             <a:fld id="{5F1D1151-2EAC-45E4-AD90-AAC8C5D9F55E}" type="datetimeFigureOut">
               <a:rPr lang="en-US" smtClean="0"/>
-              <a:t>2/1/2019</a:t>
+              <a:t>2/12/2019</a:t>
             </a:fld>
             <a:endParaRPr lang="en-US" dirty="0"/>
           </a:p>
@@ -2186,7 +1874,7 @@
             <a:fld id="{F22A0906-0864-42A1-82CE-C75C26E93CF0}" type="datetime1">
               <a:rPr lang="en-US" smtClean="0"/>
               <a:pPr/>
-              <a:t>2/1/2019</a:t>
+              <a:t>2/12/2019</a:t>
             </a:fld>
             <a:endParaRPr lang="en-US" dirty="0"/>
           </a:p>
@@ -3295,47 +2983,27 @@
                   </a:srgbClr>
                 </a:solidFill>
               </a:rPr>
-              <a:t>, Phillip </a:t>
-            </a:r>
-            <a:r>
-              <a:rPr lang="en-US" sz="2000" b="1" dirty="0" smtClean="0">
+              <a:t>, Phillip Carleton</a:t>
+            </a:r>
+            <a:r>
+              <a:rPr lang="en-US" sz="2000" b="1" baseline="30000" dirty="0">
                 <a:solidFill>
                   <a:srgbClr val="615042">
                     <a:lumMod val="50000"/>
                   </a:srgbClr>
                 </a:solidFill>
               </a:rPr>
-              <a:t>Carleton</a:t>
-            </a:r>
-            <a:r>
-              <a:rPr lang="en-US" sz="2000" b="1" baseline="30000" dirty="0" smtClean="0">
+              <a:t>2</a:t>
+            </a:r>
+            <a:r>
+              <a:rPr lang="en-US" sz="2000" b="1" dirty="0">
                 <a:solidFill>
                   <a:srgbClr val="615042">
                     <a:lumMod val="50000"/>
                   </a:srgbClr>
                 </a:solidFill>
               </a:rPr>
-              <a:t>2</a:t>
-            </a:r>
-            <a:r>
-              <a:rPr lang="en-US" sz="2000" b="1" dirty="0" smtClean="0">
-                <a:solidFill>
-                  <a:srgbClr val="615042">
-                    <a:lumMod val="50000"/>
-                  </a:srgbClr>
-                </a:solidFill>
-              </a:rPr>
-              <a:t>, Chris </a:t>
-            </a:r>
-            <a:r>
-              <a:rPr lang="en-US" sz="2000" b="1" dirty="0">
-                <a:solidFill>
-                  <a:srgbClr val="615042">
-                    <a:lumMod val="50000"/>
-                  </a:srgbClr>
-                </a:solidFill>
-              </a:rPr>
-              <a:t>Watchie</a:t>
+              <a:t>, Chris Watchie</a:t>
             </a:r>
             <a:r>
               <a:rPr lang="en-US" sz="2000" b="1" baseline="30000" dirty="0">
@@ -3360,13 +3028,6 @@
   <p:clrMapOvr>
     <a:masterClrMapping/>
   </p:clrMapOvr>
-  <p:timing>
-    <p:tnLst>
-      <p:par>
-        <p:cTn id="1" dur="indefinite" restart="never" nodeType="tmRoot"/>
-      </p:par>
-    </p:tnLst>
-  </p:timing>
 </p:sld>
 </file>
 
@@ -3596,7 +3257,7 @@
                 <a:cs typeface="Verdana" panose="020B0604030504040204" pitchFamily="34" charset="0"/>
               </a:rPr>
               <a:pPr/>
-              <a:t>2/1/2019</a:t>
+              <a:t>2/12/2019</a:t>
             </a:fld>
             <a:endParaRPr lang="en-US" sz="1200" dirty="0">
               <a:latin typeface="Verdana" panose="020B0604030504040204" pitchFamily="34" charset="0"/>
@@ -3749,7 +3410,7 @@
             <a:fld id="{F22A0906-0864-42A1-82CE-C75C26E93CF0}" type="datetime1">
               <a:rPr lang="en-US" smtClean="0"/>
               <a:pPr/>
-              <a:t>2/1/2019</a:t>
+              <a:t>2/12/2019</a:t>
             </a:fld>
             <a:endParaRPr lang="en-US" dirty="0"/>
           </a:p>
@@ -4051,7 +3712,7 @@
             <a:fld id="{F22A0906-0864-42A1-82CE-C75C26E93CF0}" type="datetime1">
               <a:rPr lang="en-US" smtClean="0"/>
               <a:pPr/>
-              <a:t>2/1/2019</a:t>
+              <a:t>2/12/2019</a:t>
             </a:fld>
             <a:endParaRPr lang="en-US" dirty="0"/>
           </a:p>
@@ -4179,25 +3840,16 @@
           <a:lstStyle/>
           <a:p>
             <a:r>
-              <a:rPr lang="en-US" sz="2800" dirty="0" smtClean="0"/>
-              <a:t>TRR </a:t>
-            </a:r>
-            <a:r>
               <a:rPr lang="en-US" sz="2800" dirty="0"/>
-              <a:t>publication</a:t>
+              <a:t>TRR publication</a:t>
             </a:r>
           </a:p>
           <a:p>
             <a:pPr lvl="1"/>
             <a:r>
-              <a:rPr lang="en-US" sz="2200" i="1" dirty="0" smtClean="0"/>
-              <a:t>Manuscri</a:t>
-            </a:r>
-            <a:r>
-              <a:rPr lang="en-US" sz="2200" i="1" dirty="0" smtClean="0"/>
-              <a:t>pt about the development of GTFS-ride and case studies was accepted for publication on 1/31/2019</a:t>
-            </a:r>
-            <a:endParaRPr lang="en-US" sz="2200" i="1" dirty="0"/>
+              <a:rPr lang="en-US" sz="2200" i="1" dirty="0"/>
+              <a:t>Manuscript about the development of GTFS-ride and case studies was accepted for publication on 1/31/2019</a:t>
+            </a:r>
           </a:p>
           <a:p>
             <a:pPr lvl="1"/>
@@ -4206,24 +3858,15 @@
           <a:p>
             <a:r>
               <a:rPr lang="en-US" sz="2800" dirty="0"/>
-              <a:t>Possible membership on TIDES TCPR </a:t>
-            </a:r>
-            <a:r>
-              <a:rPr lang="en-US" sz="2800" dirty="0" smtClean="0"/>
-              <a:t>panel</a:t>
+              <a:t>Possible membership on TIDES TCPR panel</a:t>
             </a:r>
           </a:p>
           <a:p>
             <a:pPr lvl="1"/>
             <a:r>
-              <a:rPr lang="en-US" sz="2400" i="1" dirty="0" smtClean="0"/>
-              <a:t>Project G-18</a:t>
-            </a:r>
-            <a:r>
               <a:rPr lang="en-US" sz="2400" i="1" dirty="0"/>
-              <a:t>: Improving Access and Management of Transit ITS Data</a:t>
-            </a:r>
-            <a:endParaRPr lang="en-US" sz="2400" i="1" dirty="0"/>
+              <a:t>Project G-18: Improving Access and Management of Transit ITS Data</a:t>
+            </a:r>
           </a:p>
           <a:p>
             <a:pPr marL="0" indent="0">
@@ -4252,17 +3895,8 @@
           <a:p>
             <a:r>
               <a:rPr lang="en-US" sz="2800" dirty="0"/>
-              <a:t>Draft </a:t>
-            </a:r>
-            <a:r>
-              <a:rPr lang="en-US" sz="2800" dirty="0" smtClean="0"/>
-              <a:t>final project </a:t>
-            </a:r>
-            <a:r>
-              <a:rPr lang="en-US" sz="2800" dirty="0" smtClean="0"/>
-              <a:t>report submitted to ODOT</a:t>
-            </a:r>
-            <a:endParaRPr lang="en-US" sz="2800" dirty="0"/>
+              <a:t>Draft final project report submitted to ODOT</a:t>
+            </a:r>
           </a:p>
           <a:p>
             <a:pPr lvl="1"/>
@@ -4294,7 +3928,7 @@
             <a:fld id="{F22A0906-0864-42A1-82CE-C75C26E93CF0}" type="datetime1">
               <a:rPr lang="en-US" smtClean="0"/>
               <a:pPr/>
-              <a:t>2/1/2019</a:t>
+              <a:t>2/12/2019</a:t>
             </a:fld>
             <a:endParaRPr lang="en-US" dirty="0"/>
           </a:p>
@@ -4433,20 +4067,16 @@
             <a:pPr marL="0" indent="0">
               <a:buNone/>
             </a:pPr>
-            <a:endParaRPr lang="en-US" dirty="0" smtClean="0"/>
-          </a:p>
-          <a:p>
-            <a:r>
-              <a:rPr lang="en-US" dirty="0" err="1" smtClean="0"/>
+            <a:endParaRPr lang="en-US" dirty="0"/>
+          </a:p>
+          <a:p>
+            <a:r>
+              <a:rPr lang="en-US" dirty="0" err="1"/>
               <a:t>PacTrans</a:t>
             </a:r>
             <a:r>
-              <a:rPr lang="en-US" dirty="0" smtClean="0"/>
-              <a:t> </a:t>
-            </a:r>
-            <a:r>
               <a:rPr lang="en-US" dirty="0"/>
-              <a:t>Tech Transfer Funds</a:t>
+              <a:t> Tech Transfer Funds</a:t>
             </a:r>
           </a:p>
           <a:p>
@@ -4461,33 +4091,26 @@
               <a:rPr lang="en-US" sz="1900" dirty="0"/>
               <a:t> </a:t>
             </a:r>
-            <a:endParaRPr lang="en-US" sz="1900" dirty="0" smtClean="0"/>
           </a:p>
           <a:p>
             <a:pPr marL="457207" lvl="1" indent="0">
               <a:buNone/>
             </a:pPr>
-            <a:endParaRPr lang="en-US" dirty="0" smtClean="0"/>
-          </a:p>
-          <a:p>
-            <a:r>
-              <a:rPr lang="en-US" dirty="0" smtClean="0"/>
+            <a:endParaRPr lang="en-US" dirty="0"/>
+          </a:p>
+          <a:p>
+            <a:r>
+              <a:rPr lang="en-US" dirty="0"/>
               <a:t>TRB’s Transit IDEA program</a:t>
             </a:r>
           </a:p>
           <a:p>
             <a:pPr lvl="1"/>
-            <a:r>
-              <a:rPr lang="en-US" sz="1900" dirty="0" smtClean="0">
-                <a:hlinkClick r:id="rId4"/>
-              </a:rPr>
-              <a:t>http</a:t>
-            </a:r>
             <a:r>
               <a:rPr lang="en-US" sz="1900" dirty="0">
                 <a:hlinkClick r:id="rId4"/>
               </a:rPr>
-              <a:t>://www.trb.org/IDEAProgram/IDEATransit.aspx</a:t>
+              <a:t>http://www.trb.org/IDEAProgram/IDEATransit.aspx</a:t>
             </a:r>
             <a:r>
               <a:rPr lang="en-US" sz="1900" dirty="0"/>
@@ -4526,7 +4149,7 @@
             <a:fld id="{F22A0906-0864-42A1-82CE-C75C26E93CF0}" type="datetime1">
               <a:rPr lang="en-US" smtClean="0"/>
               <a:pPr/>
-              <a:t>2/1/2019</a:t>
+              <a:t>2/12/2019</a:t>
             </a:fld>
             <a:endParaRPr lang="en-US" dirty="0"/>
           </a:p>
@@ -4894,7 +4517,7 @@
                 <a:cs typeface="Verdana" panose="020B0604030504040204" pitchFamily="34" charset="0"/>
               </a:rPr>
               <a:pPr/>
-              <a:t>2/1/2019</a:t>
+              <a:t>2/12/2019</a:t>
             </a:fld>
             <a:endParaRPr lang="en-US" sz="1200">
               <a:latin typeface="Verdana" panose="020B0604030504040204" pitchFamily="34" charset="0"/>
@@ -4957,13 +4580,8 @@
           <a:p>
             <a:r>
               <a:rPr lang="en-US" sz="3100" dirty="0"/>
-              <a:t>Technical Discussion </a:t>
-            </a:r>
-            <a:r>
-              <a:rPr lang="en-US" sz="3100" dirty="0" smtClean="0"/>
-              <a:t>Topics 1</a:t>
-            </a:r>
-            <a:endParaRPr lang="en-US" sz="3100" dirty="0"/>
+              <a:t>Technical Discussion Topics 1</a:t>
+            </a:r>
           </a:p>
         </p:txBody>
       </p:sp>
@@ -4996,29 +4614,16 @@
           <a:lstStyle/>
           <a:p>
             <a:r>
-              <a:rPr lang="en-US" sz="2200" dirty="0" smtClean="0"/>
-              <a:t>Potential </a:t>
-            </a:r>
-            <a:r>
-              <a:rPr lang="en-US" sz="2200" dirty="0"/>
-              <a:t>to fully implement GTFS-ride at early adopter agency and vendor pair</a:t>
-            </a:r>
-          </a:p>
-          <a:p>
-            <a:endParaRPr lang="en-US" sz="2200" dirty="0"/>
-          </a:p>
-          <a:p>
-            <a:r>
-              <a:rPr lang="en-US" sz="2200" dirty="0"/>
-              <a:t>Potential for GTFS-ride in creating better transit demand models and near-term prediction of loads</a:t>
-            </a:r>
-          </a:p>
-          <a:p>
-            <a:endParaRPr lang="en-US" sz="2200" dirty="0"/>
-          </a:p>
-          <a:p>
-            <a:r>
-              <a:rPr lang="en-US" sz="2200" dirty="0" smtClean="0"/>
+              <a:rPr lang="en-US" sz="2400" dirty="0"/>
+              <a:t>Potential to fully implement GTFS-ride at early adopter agency and vendor pair</a:t>
+            </a:r>
+          </a:p>
+          <a:p>
+            <a:endParaRPr lang="en-US" sz="2400" dirty="0"/>
+          </a:p>
+          <a:p>
+            <a:r>
+              <a:rPr lang="en-US" sz="2400" dirty="0"/>
               <a:t>Potential for GTFS-ride to simplify reporting to NTD</a:t>
             </a:r>
           </a:p>
@@ -5026,39 +4631,27 @@
             <a:pPr marL="0" indent="0">
               <a:buNone/>
             </a:pPr>
-            <a:endParaRPr lang="en-US" sz="2200" dirty="0" smtClean="0"/>
-          </a:p>
-          <a:p>
-            <a:r>
-              <a:rPr lang="en-US" sz="2200" dirty="0" smtClean="0"/>
-              <a:t>Potential </a:t>
-            </a:r>
-            <a:r>
-              <a:rPr lang="en-US" sz="2200" dirty="0"/>
-              <a:t>integration and synergies with other standards (e.g., </a:t>
-            </a:r>
-            <a:r>
-              <a:rPr lang="en-US" sz="2200" dirty="0" smtClean="0"/>
-              <a:t>GTFS-</a:t>
-            </a:r>
-            <a:r>
-              <a:rPr lang="en-US" sz="2200" dirty="0" err="1" smtClean="0"/>
+            <a:endParaRPr lang="en-US" sz="2400" dirty="0"/>
+          </a:p>
+          <a:p>
+            <a:r>
+              <a:rPr lang="en-US" sz="2400" dirty="0"/>
+              <a:t>Potential integration and synergies with other standards (e.g., GTFS-</a:t>
+            </a:r>
+            <a:r>
+              <a:rPr lang="en-US" sz="2400" dirty="0" err="1"/>
               <a:t>Realtime</a:t>
             </a:r>
             <a:r>
-              <a:rPr lang="en-US" sz="2200" dirty="0"/>
-              <a:t>, -Flex, -Retro, -Plus, -Vehicles, MDS, GBFS, etc</a:t>
-            </a:r>
-            <a:r>
-              <a:rPr lang="en-US" sz="2200" dirty="0" smtClean="0"/>
-              <a:t>.)</a:t>
+              <a:rPr lang="en-US" sz="2400" dirty="0"/>
+              <a:t>, -Flex, -Retro, -Plus, -Vehicles, MDS, GBFS, etc.)</a:t>
             </a:r>
           </a:p>
           <a:p>
             <a:pPr marL="0" indent="0">
               <a:buNone/>
             </a:pPr>
-            <a:endParaRPr lang="en-US" sz="2200" dirty="0" smtClean="0"/>
+            <a:endParaRPr lang="en-US" sz="2200" dirty="0"/>
           </a:p>
         </p:txBody>
       </p:sp>
@@ -5086,7 +4679,7 @@
             <a:fld id="{F22A0906-0864-42A1-82CE-C75C26E93CF0}" type="datetime1">
               <a:rPr lang="en-US" smtClean="0"/>
               <a:pPr/>
-              <a:t>2/1/2019</a:t>
+              <a:t>2/12/2019</a:t>
             </a:fld>
             <a:endParaRPr lang="en-US" dirty="0"/>
           </a:p>
@@ -5175,13 +4768,8 @@
           <a:p>
             <a:r>
               <a:rPr lang="en-US" sz="3100" dirty="0"/>
-              <a:t>Technical Discussion </a:t>
-            </a:r>
-            <a:r>
-              <a:rPr lang="en-US" sz="3100" dirty="0" smtClean="0"/>
-              <a:t>Topics 2</a:t>
-            </a:r>
-            <a:endParaRPr lang="en-US" sz="3100" dirty="0"/>
+              <a:t>Technical Discussion Topics 2</a:t>
+            </a:r>
           </a:p>
         </p:txBody>
       </p:sp>
@@ -5214,49 +4802,40 @@
           <a:lstStyle/>
           <a:p>
             <a:r>
-              <a:rPr lang="en-US" sz="2200" dirty="0" smtClean="0"/>
-              <a:t>Need </a:t>
-            </a:r>
-            <a:r>
-              <a:rPr lang="en-US" sz="2200" dirty="0"/>
-              <a:t>to define the versioning and publishing frequency of GTFS for purposes of linking historical ridership in GTFS-ride</a:t>
-            </a:r>
-          </a:p>
-          <a:p>
-            <a:endParaRPr lang="en-US" sz="2200" dirty="0"/>
-          </a:p>
-          <a:p>
-            <a:r>
-              <a:rPr lang="en-US" sz="2200" dirty="0"/>
-              <a:t>The need or desire for GTFS-ride to be able to represent summary data and statistics in addition to collected </a:t>
-            </a:r>
-            <a:r>
-              <a:rPr lang="en-US" sz="2200" dirty="0" smtClean="0"/>
-              <a:t>counts</a:t>
+              <a:rPr lang="en-US" sz="2400" dirty="0"/>
+              <a:t>Need to define the versioning and publishing frequency of GTFS for purposes of linking historical ridership in GTFS-ride</a:t>
+            </a:r>
+          </a:p>
+          <a:p>
+            <a:endParaRPr lang="en-US" sz="2400" dirty="0"/>
+          </a:p>
+          <a:p>
+            <a:r>
+              <a:rPr lang="en-US" sz="2400" dirty="0"/>
+              <a:t>The need or desire for GTFS-ride to be able to represent summary data and statistics in addition to collected counts</a:t>
             </a:r>
           </a:p>
           <a:p>
             <a:pPr marL="0" indent="0">
               <a:buNone/>
             </a:pPr>
-            <a:endParaRPr lang="en-US" sz="2200" dirty="0"/>
-          </a:p>
-          <a:p>
-            <a:r>
-              <a:rPr lang="en-US" sz="2200" dirty="0" smtClean="0"/>
+            <a:endParaRPr lang="en-US" sz="2400" dirty="0"/>
+          </a:p>
+          <a:p>
+            <a:r>
+              <a:rPr lang="en-US" sz="2400" dirty="0"/>
               <a:t>UK’s decision to move away from GTFS (</a:t>
             </a:r>
             <a:r>
-              <a:rPr lang="en-US" sz="2200" dirty="0" smtClean="0">
+              <a:rPr lang="en-US" sz="2400" dirty="0">
                 <a:hlinkClick r:id="rId2"/>
               </a:rPr>
               <a:t>http://netex-cen.eu/</a:t>
             </a:r>
             <a:r>
-              <a:rPr lang="en-US" sz="2200" dirty="0" smtClean="0"/>
+              <a:rPr lang="en-US" sz="2400" dirty="0"/>
               <a:t>) </a:t>
             </a:r>
-            <a:endParaRPr lang="en-US" sz="2200" dirty="0"/>
           </a:p>
         </p:txBody>
       </p:sp>
@@ -5284,7 +4863,7 @@
             <a:fld id="{F22A0906-0864-42A1-82CE-C75C26E93CF0}" type="datetime1">
               <a:rPr lang="en-US" smtClean="0"/>
               <a:pPr/>
-              <a:t>2/1/2019</a:t>
+              <a:t>2/12/2019</a:t>
             </a:fld>
             <a:endParaRPr lang="en-US" dirty="0"/>
           </a:p>
@@ -5427,21 +5006,8 @@
           <a:p>
             <a:r>
               <a:rPr lang="en-US" dirty="0"/>
-              <a:t>Opportunities to work with MPOs, DOTs, and federal agencies (FTA, NTD, etc.) to </a:t>
-            </a:r>
-            <a:r>
-              <a:rPr lang="en-US" dirty="0" smtClean="0"/>
-              <a:t>promote the </a:t>
-            </a:r>
-            <a:r>
-              <a:rPr lang="en-US" dirty="0"/>
-              <a:t>use of GTFS-ride (e.g., OMX format and MDS at LADOT</a:t>
-            </a:r>
-            <a:r>
-              <a:rPr lang="en-US" dirty="0"/>
-              <a:t>) more strongly </a:t>
-            </a:r>
-            <a:endParaRPr lang="en-US" dirty="0"/>
+              <a:t>Opportunities to work with MPOs, DOTs, and federal agencies (FTA, NTD, etc.) to promote the use of GTFS-ride (e.g., OMX format and MDS at LADOT) more strongly </a:t>
+            </a:r>
           </a:p>
           <a:p>
             <a:pPr marL="0" indent="0">
@@ -5460,20 +5026,8 @@
           </a:p>
           <a:p>
             <a:r>
-              <a:rPr lang="en-US" dirty="0" smtClean="0"/>
-              <a:t>Interest from </a:t>
-            </a:r>
-            <a:r>
               <a:rPr lang="en-US" dirty="0"/>
-              <a:t>consortium </a:t>
-            </a:r>
-            <a:r>
-              <a:rPr lang="en-US" dirty="0" smtClean="0"/>
-              <a:t>members </a:t>
-            </a:r>
-            <a:r>
-              <a:rPr lang="en-US" dirty="0"/>
-              <a:t>to join </a:t>
+              <a:t>Interest from consortium members to join </a:t>
             </a:r>
             <a:r>
               <a:rPr lang="en-US" b="1" dirty="0"/>
@@ -5481,15 +5035,7 @@
             </a:r>
             <a:r>
               <a:rPr lang="en-US" dirty="0"/>
-              <a:t> and take active role in </a:t>
-            </a:r>
-            <a:r>
-              <a:rPr lang="en-US" dirty="0" smtClean="0"/>
-              <a:t>the future </a:t>
-            </a:r>
-            <a:r>
-              <a:rPr lang="en-US" dirty="0"/>
-              <a:t>of GTFS-ride</a:t>
+              <a:t> and take active role in the future of GTFS-ride</a:t>
             </a:r>
           </a:p>
         </p:txBody>
@@ -5518,7 +5064,7 @@
             <a:fld id="{F22A0906-0864-42A1-82CE-C75C26E93CF0}" type="datetime1">
               <a:rPr lang="en-US" smtClean="0"/>
               <a:pPr/>
-              <a:t>2/1/2019</a:t>
+              <a:t>2/12/2019</a:t>
             </a:fld>
             <a:endParaRPr lang="en-US" dirty="0"/>
           </a:p>
@@ -5729,7 +5275,7 @@
             <a:fld id="{F22A0906-0864-42A1-82CE-C75C26E93CF0}" type="datetime1">
               <a:rPr lang="en-US" smtClean="0"/>
               <a:pPr/>
-              <a:t>2/1/2019</a:t>
+              <a:t>2/12/2019</a:t>
             </a:fld>
             <a:endParaRPr lang="en-US" dirty="0"/>
           </a:p>
@@ -5775,13 +5321,6 @@
   <p:clrMapOvr>
     <a:masterClrMapping/>
   </p:clrMapOvr>
-  <p:timing>
-    <p:tnLst>
-      <p:par>
-        <p:cTn id="1" dur="indefinite" restart="never" nodeType="tmRoot"/>
-      </p:par>
-    </p:tnLst>
-  </p:timing>
 </p:sld>
 </file>
 
@@ -5864,7 +5403,7 @@
             <a:fld id="{F22A0906-0864-42A1-82CE-C75C26E93CF0}" type="datetime1">
               <a:rPr lang="en-US" smtClean="0"/>
               <a:pPr/>
-              <a:t>2/1/2019</a:t>
+              <a:t>2/12/2019</a:t>
             </a:fld>
             <a:endParaRPr lang="en-US"/>
           </a:p>
@@ -6619,7 +6158,7 @@
                 <a:cs typeface="Verdana" panose="020B0604030504040204" pitchFamily="34" charset="0"/>
               </a:rPr>
               <a:pPr/>
-              <a:t>2/1/2019</a:t>
+              <a:t>2/12/2019</a:t>
             </a:fld>
             <a:endParaRPr lang="en-US" sz="1200" dirty="0">
               <a:latin typeface="Verdana" panose="020B0604030504040204" pitchFamily="34" charset="0"/>
@@ -6639,13 +6178,6 @@
   <p:clrMapOvr>
     <a:masterClrMapping/>
   </p:clrMapOvr>
-  <p:timing>
-    <p:tnLst>
-      <p:par>
-        <p:cTn id="1" dur="indefinite" restart="never" nodeType="tmRoot"/>
-      </p:par>
-    </p:tnLst>
-  </p:timing>
 </p:sld>
 </file>
 
@@ -6718,7 +6250,7 @@
         </p:spPr>
         <p:txBody>
           <a:bodyPr>
-            <a:normAutofit fontScale="92500" lnSpcReduction="20000"/>
+            <a:normAutofit/>
           </a:bodyPr>
           <a:lstStyle/>
           <a:p>
@@ -6737,7 +6269,7 @@
             </a:r>
             <a:r>
               <a:rPr lang="en-US" sz="2400" dirty="0"/>
-              <a:t> Q &amp; A will take place at the end of  all presentations</a:t>
+              <a:t> Q &amp; A will take place at the end of all presentations</a:t>
             </a:r>
           </a:p>
           <a:p>
@@ -6776,26 +6308,6 @@
               <a:t>”) during the presentation</a:t>
             </a:r>
           </a:p>
-          <a:p>
-            <a:pPr marL="0" indent="0">
-              <a:spcBef>
-                <a:spcPts val="1000"/>
-              </a:spcBef>
-              <a:buNone/>
-            </a:pPr>
-            <a:endParaRPr lang="en-US" sz="2400" dirty="0"/>
-          </a:p>
-          <a:p>
-            <a:pPr>
-              <a:spcBef>
-                <a:spcPts val="1000"/>
-              </a:spcBef>
-            </a:pPr>
-            <a:r>
-              <a:rPr lang="en-US" sz="2400" dirty="0"/>
-              <a:t>Questions and comments will be addressed at the end of the presentation to allow time for all presenters</a:t>
-            </a:r>
-          </a:p>
         </p:txBody>
       </p:sp>
       <p:sp>
@@ -6822,7 +6334,7 @@
             <a:fld id="{F22A0906-0864-42A1-82CE-C75C26E93CF0}" type="datetime1">
               <a:rPr lang="en-US" smtClean="0"/>
               <a:pPr/>
-              <a:t>2/1/2019</a:t>
+              <a:t>2/12/2019</a:t>
             </a:fld>
             <a:endParaRPr lang="en-US" dirty="0"/>
           </a:p>
@@ -7000,13 +6512,6 @@
   <p:clrMapOvr>
     <a:masterClrMapping/>
   </p:clrMapOvr>
-  <p:timing>
-    <p:tnLst>
-      <p:par>
-        <p:cTn id="1" dur="indefinite" restart="never" nodeType="tmRoot"/>
-      </p:par>
-    </p:tnLst>
-  </p:timing>
 </p:sld>
 </file>
 
@@ -7232,7 +6737,7 @@
                 <a:cs typeface="Verdana" panose="020B0604030504040204" pitchFamily="34" charset="0"/>
               </a:rPr>
               <a:pPr/>
-              <a:t>2/1/2019</a:t>
+              <a:t>2/12/2019</a:t>
             </a:fld>
             <a:endParaRPr lang="en-US" sz="1200" dirty="0">
               <a:latin typeface="Verdana" panose="020B0604030504040204" pitchFamily="34" charset="0"/>
@@ -7252,13 +6757,6 @@
   <p:clrMapOvr>
     <a:masterClrMapping/>
   </p:clrMapOvr>
-  <p:timing>
-    <p:tnLst>
-      <p:par>
-        <p:cTn id="1" dur="indefinite" restart="never" nodeType="tmRoot"/>
-      </p:par>
-    </p:tnLst>
-  </p:timing>
 </p:sld>
 </file>
 
@@ -7568,7 +7066,7 @@
             <a:fld id="{F22A0906-0864-42A1-82CE-C75C26E93CF0}" type="datetime1">
               <a:rPr lang="en-US" smtClean="0"/>
               <a:pPr/>
-              <a:t>2/1/2019</a:t>
+              <a:t>2/12/2019</a:t>
             </a:fld>
             <a:endParaRPr lang="en-US" dirty="0"/>
           </a:p>
@@ -7614,13 +7112,6 @@
   <p:clrMapOvr>
     <a:masterClrMapping/>
   </p:clrMapOvr>
-  <p:timing>
-    <p:tnLst>
-      <p:par>
-        <p:cTn id="1" dur="indefinite" restart="never" nodeType="tmRoot"/>
-      </p:par>
-    </p:tnLst>
-  </p:timing>
 </p:sld>
 </file>
 
@@ -7794,7 +7285,7 @@
             <a:fld id="{F22A0906-0864-42A1-82CE-C75C26E93CF0}" type="datetime1">
               <a:rPr lang="en-US" smtClean="0"/>
               <a:pPr/>
-              <a:t>2/1/2019</a:t>
+              <a:t>2/12/2019</a:t>
             </a:fld>
             <a:endParaRPr lang="en-US" dirty="0"/>
           </a:p>
@@ -7840,13 +7331,6 @@
   <p:clrMapOvr>
     <a:masterClrMapping/>
   </p:clrMapOvr>
-  <p:timing>
-    <p:tnLst>
-      <p:par>
-        <p:cTn id="1" dur="indefinite" restart="never" nodeType="tmRoot"/>
-      </p:par>
-    </p:tnLst>
-  </p:timing>
 </p:sld>
 </file>
 
@@ -7919,7 +7403,7 @@
             <a:fld id="{F22A0906-0864-42A1-82CE-C75C26E93CF0}" type="datetime1">
               <a:rPr lang="en-US" smtClean="0"/>
               <a:pPr/>
-              <a:t>2/1/2019</a:t>
+              <a:t>2/12/2019</a:t>
             </a:fld>
             <a:endParaRPr lang="en-US" dirty="0"/>
           </a:p>
@@ -9247,7 +8731,7 @@
             <a:fld id="{F22A0906-0864-42A1-82CE-C75C26E93CF0}" type="datetime1">
               <a:rPr lang="en-US" smtClean="0"/>
               <a:pPr/>
-              <a:t>2/1/2019</a:t>
+              <a:t>2/12/2019</a:t>
             </a:fld>
             <a:endParaRPr lang="en-US" dirty="0"/>
           </a:p>
@@ -9912,15 +9396,6 @@
 </file>
 
 <file path=customXml/item1.xml><?xml version="1.0" encoding="utf-8"?>
-<?mso-contentType ?>
-<FormTemplates xmlns="http://schemas.microsoft.com/sharepoint/v3/contenttype/forms">
-  <Display>DocumentLibraryForm</Display>
-  <Edit>DocumentLibraryForm</Edit>
-  <New>DocumentLibraryForm</New>
-</FormTemplates>
-</file>
-
-<file path=customXml/item2.xml><?xml version="1.0" encoding="utf-8"?>
 <ct:contentTypeSchema xmlns:ct="http://schemas.microsoft.com/office/2006/metadata/contentType" xmlns:ma="http://schemas.microsoft.com/office/2006/metadata/properties/metaAttributes" ct:_="" ma:_="" ma:contentTypeName="Document" ma:contentTypeID="0x0101000AB830E694EDB347B07C5DD7A1F00D1E" ma:contentTypeVersion="8" ma:contentTypeDescription="Create a new document." ma:contentTypeScope="" ma:versionID="9112591cee074044ffbc1da3cedefe86">
   <xsd:schema xmlns:xsd="http://www.w3.org/2001/XMLSchema" xmlns:xs="http://www.w3.org/2001/XMLSchema" xmlns:p="http://schemas.microsoft.com/office/2006/metadata/properties" xmlns:ns2="12265df8-71a5-47a6-9b7e-a10dc2e643ca" targetNamespace="http://schemas.microsoft.com/office/2006/metadata/properties" ma:root="true" ma:fieldsID="e8f52db21e7ce988f391c0b8e7a50352" ns2:_="">
     <xsd:import namespace="12265df8-71a5-47a6-9b7e-a10dc2e643ca"/>
@@ -10090,6 +9565,15 @@
 </ct:contentTypeSchema>
 </file>
 
+<file path=customXml/item2.xml><?xml version="1.0" encoding="utf-8"?>
+<?mso-contentType ?>
+<FormTemplates xmlns="http://schemas.microsoft.com/sharepoint/v3/contenttype/forms">
+  <Display>DocumentLibraryForm</Display>
+  <Edit>DocumentLibraryForm</Edit>
+  <New>DocumentLibraryForm</New>
+</FormTemplates>
+</file>
+
 <file path=customXml/item3.xml><?xml version="1.0" encoding="utf-8"?>
 <p:properties xmlns:p="http://schemas.microsoft.com/office/2006/metadata/properties" xmlns:xsi="http://www.w3.org/2001/XMLSchema-instance" xmlns:pc="http://schemas.microsoft.com/office/infopath/2007/PartnerControls">
   <documentManagement/>
@@ -10097,14 +9581,6 @@
 </file>
 
 <file path=customXml/itemProps1.xml><?xml version="1.0" encoding="utf-8"?>
-<ds:datastoreItem xmlns:ds="http://schemas.openxmlformats.org/officeDocument/2006/customXml" ds:itemID="{39209DE1-3424-4049-84D8-7E7EDFE88782}">
-  <ds:schemaRefs>
-    <ds:schemaRef ds:uri="http://schemas.microsoft.com/sharepoint/v3/contenttype/forms"/>
-  </ds:schemaRefs>
-</ds:datastoreItem>
-</file>
-
-<file path=customXml/itemProps2.xml><?xml version="1.0" encoding="utf-8"?>
 <ds:datastoreItem xmlns:ds="http://schemas.openxmlformats.org/officeDocument/2006/customXml" ds:itemID="{F363FBDE-69A2-467B-8A73-5D67215EF1FB}">
   <ds:schemaRefs>
     <ds:schemaRef ds:uri="http://schemas.microsoft.com/office/2006/metadata/contentType"/>
@@ -10122,18 +9598,26 @@
 </ds:datastoreItem>
 </file>
 
+<file path=customXml/itemProps2.xml><?xml version="1.0" encoding="utf-8"?>
+<ds:datastoreItem xmlns:ds="http://schemas.openxmlformats.org/officeDocument/2006/customXml" ds:itemID="{39209DE1-3424-4049-84D8-7E7EDFE88782}">
+  <ds:schemaRefs>
+    <ds:schemaRef ds:uri="http://schemas.microsoft.com/sharepoint/v3/contenttype/forms"/>
+  </ds:schemaRefs>
+</ds:datastoreItem>
+</file>
+
 <file path=customXml/itemProps3.xml><?xml version="1.0" encoding="utf-8"?>
 <ds:datastoreItem xmlns:ds="http://schemas.openxmlformats.org/officeDocument/2006/customXml" ds:itemID="{FF5F2A48-7159-4073-ACAC-D74734AF5CFC}">
   <ds:schemaRefs>
+    <ds:schemaRef ds:uri="http://schemas.microsoft.com/office/2006/documentManagement/types"/>
+    <ds:schemaRef ds:uri="http://schemas.openxmlformats.org/package/2006/metadata/core-properties"/>
+    <ds:schemaRef ds:uri="http://schemas.microsoft.com/office/infopath/2007/PartnerControls"/>
+    <ds:schemaRef ds:uri="http://purl.org/dc/dcmitype/"/>
+    <ds:schemaRef ds:uri="http://www.w3.org/XML/1998/namespace"/>
     <ds:schemaRef ds:uri="http://purl.org/dc/terms/"/>
-    <ds:schemaRef ds:uri="http://schemas.openxmlformats.org/package/2006/metadata/core-properties"/>
-    <ds:schemaRef ds:uri="http://schemas.microsoft.com/office/2006/documentManagement/types"/>
-    <ds:schemaRef ds:uri="http://schemas.microsoft.com/office/infopath/2007/PartnerControls"/>
+    <ds:schemaRef ds:uri="http://schemas.microsoft.com/office/2006/metadata/properties"/>
     <ds:schemaRef ds:uri="http://purl.org/dc/elements/1.1/"/>
-    <ds:schemaRef ds:uri="http://schemas.microsoft.com/office/2006/metadata/properties"/>
     <ds:schemaRef ds:uri="12265df8-71a5-47a6-9b7e-a10dc2e643ca"/>
-    <ds:schemaRef ds:uri="http://www.w3.org/XML/1998/namespace"/>
-    <ds:schemaRef ds:uri="http://purl.org/dc/dcmitype/"/>
   </ds:schemaRefs>
 </ds:datastoreItem>
 </file>